--- a/slides/class_presentation.pptx
+++ b/slides/class_presentation.pptx
@@ -150,6 +150,9 @@
           </p14:sldIdLst>
         </p14:section>
       </p14:sectionLst>
+    </p:ext>
+    <p:ext uri="{EFAFB233-063F-42B5-8137-9DF3F51BA10A}">
+      <p15:sldGuideLst xmlns:p15="http://schemas.microsoft.com/office/powerpoint/2012/main"/>
     </p:ext>
   </p:extLst>
 </p:presentation>
@@ -5607,8 +5610,32 @@
           <a:p>
             <a:r>
               <a:rPr lang="en-US" dirty="0"/>
-              <a:t>Write brushing events to EEPROM until phone syncs</a:t>
-            </a:r>
+              <a:t>Write brushing events </a:t>
+            </a:r>
+            <a:r>
+              <a:rPr lang="en-US" dirty="0" smtClean="0"/>
+              <a:t>permanently to </a:t>
+            </a:r>
+            <a:r>
+              <a:rPr lang="en-US" dirty="0"/>
+              <a:t>EEPROM until phone </a:t>
+            </a:r>
+            <a:r>
+              <a:rPr lang="en-US" dirty="0" smtClean="0"/>
+              <a:t>connects</a:t>
+            </a:r>
+            <a:endParaRPr lang="en-US" dirty="0" smtClean="0"/>
+          </a:p>
+          <a:p>
+            <a:r>
+              <a:rPr lang="en-US" dirty="0" smtClean="0"/>
+              <a:t>Store</a:t>
+            </a:r>
+            <a:r>
+              <a:rPr lang="en-US" dirty="0" smtClean="0"/>
+              <a:t> brushing events on phone when data service is unavailable</a:t>
+            </a:r>
+            <a:endParaRPr lang="en-US" dirty="0"/>
           </a:p>
           <a:p>
             <a:r>
@@ -5632,8 +5659,17 @@
           <a:p>
             <a:r>
               <a:rPr lang="en-US" dirty="0"/>
-              <a:t>Smarter detection of brushing action</a:t>
-            </a:r>
+              <a:t>Smarter detection of </a:t>
+            </a:r>
+            <a:r>
+              <a:rPr lang="en-US"/>
+              <a:t>brushing </a:t>
+            </a:r>
+            <a:r>
+              <a:rPr lang="en-US" smtClean="0"/>
+              <a:t>activity</a:t>
+            </a:r>
+            <a:endParaRPr lang="en-US" dirty="0"/>
           </a:p>
           <a:p>
             <a:r>
@@ -6238,11 +6274,11 @@
   <p:clrMapOvr>
     <a:masterClrMapping/>
   </p:clrMapOvr>
-  <mc:AlternateContent xmlns:mc="http://schemas.openxmlformats.org/markup-compatibility/2006">
-    <mc:Choice xmlns:p14="http://schemas.microsoft.com/office/powerpoint/2010/main" Requires="p14">
+  <mc:AlternateContent xmlns:mc="http://schemas.openxmlformats.org/markup-compatibility/2006" xmlns:p14="http://schemas.microsoft.com/office/powerpoint/2010/main">
+    <mc:Choice Requires="p14">
       <p:transition spd="slow" p14:dur="2000"/>
     </mc:Choice>
-    <mc:Fallback>
+    <mc:Fallback xmlns="">
       <p:transition spd="slow"/>
     </mc:Fallback>
   </mc:AlternateContent>
@@ -6311,11 +6347,11 @@
   <p:clrMapOvr>
     <a:masterClrMapping/>
   </p:clrMapOvr>
-  <mc:AlternateContent xmlns:mc="http://schemas.openxmlformats.org/markup-compatibility/2006">
-    <mc:Choice xmlns:p14="http://schemas.microsoft.com/office/powerpoint/2010/main" Requires="p14">
+  <mc:AlternateContent xmlns:mc="http://schemas.openxmlformats.org/markup-compatibility/2006" xmlns:p14="http://schemas.microsoft.com/office/powerpoint/2010/main">
+    <mc:Choice Requires="p14">
       <p:transition spd="slow" p14:dur="2000"/>
     </mc:Choice>
-    <mc:Fallback>
+    <mc:Fallback xmlns="">
       <p:transition spd="slow"/>
     </mc:Fallback>
   </mc:AlternateContent>
@@ -6384,11 +6420,11 @@
   <p:clrMapOvr>
     <a:masterClrMapping/>
   </p:clrMapOvr>
-  <mc:AlternateContent xmlns:mc="http://schemas.openxmlformats.org/markup-compatibility/2006">
-    <mc:Choice xmlns:p14="http://schemas.microsoft.com/office/powerpoint/2010/main" Requires="p14">
+  <mc:AlternateContent xmlns:mc="http://schemas.openxmlformats.org/markup-compatibility/2006" xmlns:p14="http://schemas.microsoft.com/office/powerpoint/2010/main">
+    <mc:Choice Requires="p14">
       <p:transition spd="slow" p14:dur="2000"/>
     </mc:Choice>
-    <mc:Fallback>
+    <mc:Fallback xmlns="">
       <p:transition spd="slow"/>
     </mc:Fallback>
   </mc:AlternateContent>
